--- a/Graphs/Distances/Bellman-Ford by Ionescu Cristian/Bellmanford.pptx
+++ b/Graphs/Distances/Bellman-Ford by Ionescu Cristian/Bellmanford.pptx
@@ -118,6 +118,7 @@
 
 <file path=ppt/charts/chart1.xml><?xml version="1.0" encoding="utf-8"?>
 <c:chartSpace xmlns:c="http://schemas.openxmlformats.org/drawingml/2006/chart" xmlns:a="http://schemas.openxmlformats.org/drawingml/2006/main" xmlns:r="http://schemas.openxmlformats.org/officeDocument/2006/relationships">
+  <c:date1904 val="1"/>
   <c:lang val="en-US"/>
   <c:style val="4"/>
   <c:chart>
@@ -130,8 +131,8 @@
           <c:yMode val="edge"/>
           <c:x val="9.0732283464566924E-2"/>
           <c:y val="4.1142656463716683E-2"/>
-          <c:w val="0.86428160542432209"/>
-          <c:h val="0.76240545636020873"/>
+          <c:w val="0.8642816054243222"/>
+          <c:h val="0.76240545636020884"/>
         </c:manualLayout>
       </c:layout>
       <c:scatterChart>
@@ -194,13 +195,15 @@
           </c:yVal>
           <c:smooth val="1"/>
         </c:ser>
-        <c:axId val="79360768"/>
-        <c:axId val="88600576"/>
+        <c:axId val="114810240"/>
+        <c:axId val="114828800"/>
       </c:scatterChart>
       <c:valAx>
-        <c:axId val="79360768"/>
+        <c:axId val="114810240"/>
         <c:scaling>
           <c:orientation val="minMax"/>
+          <c:max val="8000"/>
+          <c:min val="1000"/>
         </c:scaling>
         <c:axPos val="b"/>
         <c:title>
@@ -224,12 +227,12 @@
         </c:title>
         <c:numFmt formatCode="General" sourceLinked="1"/>
         <c:tickLblPos val="nextTo"/>
-        <c:crossAx val="88600576"/>
+        <c:crossAx val="114828800"/>
         <c:crosses val="autoZero"/>
         <c:crossBetween val="midCat"/>
       </c:valAx>
       <c:valAx>
-        <c:axId val="88600576"/>
+        <c:axId val="114828800"/>
         <c:scaling>
           <c:orientation val="minMax"/>
         </c:scaling>
@@ -255,7 +258,7 @@
         </c:title>
         <c:numFmt formatCode="General" sourceLinked="1"/>
         <c:tickLblPos val="nextTo"/>
-        <c:crossAx val="79360768"/>
+        <c:crossAx val="114810240"/>
         <c:crosses val="autoZero"/>
         <c:crossBetween val="midCat"/>
       </c:valAx>
@@ -288,14 +291,14 @@
           <c:layoutTarget val="inner"/>
           <c:xMode val="edge"/>
           <c:yMode val="edge"/>
-          <c:x val="9.6304690174597765E-2"/>
-          <c:y val="6.6673907140917726E-2"/>
-          <c:w val="0.87760832527513022"/>
-          <c:h val="0.7684761825220805"/>
+          <c:x val="6.5709536307961502E-2"/>
+          <c:y val="4.7784776902887141E-2"/>
+          <c:w val="0.89524529746281711"/>
+          <c:h val="0.8524881889763779"/>
         </c:manualLayout>
       </c:layout>
-      <c:lineChart>
-        <c:grouping val="standard"/>
+      <c:scatterChart>
+        <c:scatterStyle val="lineMarker"/>
         <c:ser>
           <c:idx val="0"/>
           <c:order val="0"/>
@@ -310,7 +313,12 @@
               </c:strCache>
             </c:strRef>
           </c:tx>
-          <c:cat>
+          <c:spPr>
+            <a:ln w="30000">
+              <a:noFill/>
+            </a:ln>
+          </c:spPr>
+          <c:xVal>
             <c:numRef>
               <c:f>Sheet1!$A$2:$A$5</c:f>
               <c:numCache>
@@ -330,8 +338,8 @@
                 </c:pt>
               </c:numCache>
             </c:numRef>
-          </c:cat>
-          <c:val>
+          </c:xVal>
+          <c:yVal>
             <c:numRef>
               <c:f>Sheet1!$B$2:$B$5</c:f>
               <c:numCache>
@@ -351,73 +359,41 @@
                 </c:pt>
               </c:numCache>
             </c:numRef>
-          </c:val>
+          </c:yVal>
         </c:ser>
-        <c:marker val="1"/>
-        <c:axId val="105536896"/>
-        <c:axId val="105539072"/>
-      </c:lineChart>
-      <c:catAx>
-        <c:axId val="105536896"/>
+        <c:dLbls/>
+        <c:axId val="118897280"/>
+        <c:axId val="114926336"/>
+      </c:scatterChart>
+      <c:valAx>
+        <c:axId val="118897280"/>
         <c:scaling>
+          <c:logBase val="2"/>
           <c:orientation val="minMax"/>
+          <c:max val="9000"/>
+          <c:min val="1000"/>
         </c:scaling>
         <c:axPos val="b"/>
-        <c:title>
-          <c:tx>
-            <c:rich>
-              <a:bodyPr/>
-              <a:lstStyle/>
-              <a:p>
-                <a:pPr>
-                  <a:defRPr/>
-                </a:pPr>
-                <a:r>
-                  <a:rPr lang="en-US"/>
-                  <a:t>Data</a:t>
-                </a:r>
-              </a:p>
-            </c:rich>
-          </c:tx>
-          <c:layout/>
-        </c:title>
         <c:numFmt formatCode="General" sourceLinked="1"/>
+        <c:majorTickMark val="none"/>
         <c:tickLblPos val="nextTo"/>
-        <c:crossAx val="105539072"/>
+        <c:crossAx val="114926336"/>
         <c:crosses val="autoZero"/>
-        <c:auto val="1"/>
-        <c:lblAlgn val="ctr"/>
-        <c:lblOffset val="100"/>
-      </c:catAx>
+        <c:crossBetween val="midCat"/>
+      </c:valAx>
       <c:valAx>
-        <c:axId val="105539072"/>
+        <c:axId val="114926336"/>
         <c:scaling>
+          <c:logBase val="2"/>
           <c:orientation val="minMax"/>
         </c:scaling>
         <c:axPos val="l"/>
-        <c:title>
-          <c:tx>
-            <c:rich>
-              <a:bodyPr rot="-5400000" vert="horz"/>
-              <a:lstStyle/>
-              <a:p>
-                <a:pPr>
-                  <a:defRPr/>
-                </a:pPr>
-                <a:r>
-                  <a:rPr lang="en-US"/>
-                  <a:t>Time</a:t>
-                </a:r>
-              </a:p>
-            </c:rich>
-          </c:tx>
-          <c:layout/>
-        </c:title>
         <c:numFmt formatCode="General" sourceLinked="1"/>
+        <c:majorTickMark val="none"/>
         <c:tickLblPos val="nextTo"/>
-        <c:crossAx val="105536896"/>
+        <c:crossAx val="118897280"/>
         <c:crosses val="autoZero"/>
-        <c:crossBetween val="between"/>
+        <c:crossBetween val="midCat"/>
       </c:valAx>
     </c:plotArea>
     <c:plotVisOnly val="1"/>
@@ -433,7 +409,59 @@
     </a:p>
   </c:txPr>
   <c:externalData r:id="rId1"/>
+  <c:userShapes r:id="rId2"/>
 </c:chartSpace>
+</file>
+
+<file path=ppt/drawings/drawing1.xml><?xml version="1.0" encoding="utf-8"?>
+<c:userShapes xmlns:c="http://schemas.openxmlformats.org/drawingml/2006/chart">
+  <cdr:relSizeAnchor xmlns:cdr="http://schemas.openxmlformats.org/drawingml/2006/chartDrawing">
+    <cdr:from>
+      <cdr:x>0.06667</cdr:x>
+      <cdr:y>0.18333</cdr:y>
+    </cdr:from>
+    <cdr:to>
+      <cdr:x>0.91667</cdr:x>
+      <cdr:y>0.86667</cdr:y>
+    </cdr:to>
+    <cdr:sp macro="" textlink="">
+      <cdr:nvSpPr>
+        <cdr:cNvPr id="3" name="Straight Connector 2"/>
+        <cdr:cNvSpPr/>
+      </cdr:nvSpPr>
+      <cdr:spPr>
+        <a:xfrm xmlns:a="http://schemas.openxmlformats.org/drawingml/2006/main" flipV="1">
+          <a:off x="609600" y="838200"/>
+          <a:ext cx="7772400" cy="3124200"/>
+        </a:xfrm>
+        <a:prstGeom xmlns:a="http://schemas.openxmlformats.org/drawingml/2006/main" prst="line">
+          <a:avLst/>
+        </a:prstGeom>
+      </cdr:spPr>
+      <cdr:style>
+        <a:lnRef xmlns:a="http://schemas.openxmlformats.org/drawingml/2006/main" idx="1">
+          <a:schemeClr val="dk1"/>
+        </a:lnRef>
+        <a:fillRef xmlns:a="http://schemas.openxmlformats.org/drawingml/2006/main" idx="0">
+          <a:schemeClr val="dk1"/>
+        </a:fillRef>
+        <a:effectRef xmlns:a="http://schemas.openxmlformats.org/drawingml/2006/main" idx="0">
+          <a:schemeClr val="dk1"/>
+        </a:effectRef>
+        <a:fontRef xmlns:a="http://schemas.openxmlformats.org/drawingml/2006/main" idx="minor">
+          <a:schemeClr val="tx1"/>
+        </a:fontRef>
+      </cdr:style>
+      <cdr:txBody>
+        <a:bodyPr xmlns:a="http://schemas.openxmlformats.org/drawingml/2006/main" vertOverflow="clip"/>
+        <a:lstStyle xmlns:a="http://schemas.openxmlformats.org/drawingml/2006/main"/>
+        <a:p xmlns:a="http://schemas.openxmlformats.org/drawingml/2006/main">
+          <a:endParaRPr lang="en-US"/>
+        </a:p>
+      </cdr:txBody>
+    </cdr:sp>
+  </cdr:relSizeAnchor>
+</c:userShapes>
 </file>
 
 <file path=ppt/slideLayouts/slideLayout1.xml><?xml version="1.0" encoding="utf-8"?>
@@ -612,7 +640,7 @@
             <a:fld id="{640E928A-7F23-492A-BABC-08F685F9067E}" type="datetimeFigureOut">
               <a:rPr lang="en-US" smtClean="0"/>
               <a:pPr/>
-              <a:t>13/4/2014</a:t>
+              <a:t>14/4/2014</a:t>
             </a:fld>
             <a:endParaRPr lang="en-US"/>
           </a:p>
@@ -784,7 +812,7 @@
             <a:fld id="{640E928A-7F23-492A-BABC-08F685F9067E}" type="datetimeFigureOut">
               <a:rPr lang="en-US" smtClean="0"/>
               <a:pPr/>
-              <a:t>13/4/2014</a:t>
+              <a:t>14/4/2014</a:t>
             </a:fld>
             <a:endParaRPr lang="en-US"/>
           </a:p>
@@ -961,7 +989,7 @@
             <a:fld id="{640E928A-7F23-492A-BABC-08F685F9067E}" type="datetimeFigureOut">
               <a:rPr lang="en-US" smtClean="0"/>
               <a:pPr/>
-              <a:t>13/4/2014</a:t>
+              <a:t>14/4/2014</a:t>
             </a:fld>
             <a:endParaRPr lang="en-US"/>
           </a:p>
@@ -1128,7 +1156,7 @@
             <a:fld id="{640E928A-7F23-492A-BABC-08F685F9067E}" type="datetimeFigureOut">
               <a:rPr lang="en-US" smtClean="0"/>
               <a:pPr/>
-              <a:t>13/4/2014</a:t>
+              <a:t>14/4/2014</a:t>
             </a:fld>
             <a:endParaRPr lang="en-US"/>
           </a:p>
@@ -1364,7 +1392,7 @@
             <a:fld id="{640E928A-7F23-492A-BABC-08F685F9067E}" type="datetimeFigureOut">
               <a:rPr lang="en-US" smtClean="0"/>
               <a:pPr/>
-              <a:t>13/4/2014</a:t>
+              <a:t>14/4/2014</a:t>
             </a:fld>
             <a:endParaRPr lang="en-US"/>
           </a:p>
@@ -1662,7 +1690,7 @@
             <a:fld id="{640E928A-7F23-492A-BABC-08F685F9067E}" type="datetimeFigureOut">
               <a:rPr lang="en-US" smtClean="0"/>
               <a:pPr/>
-              <a:t>13/4/2014</a:t>
+              <a:t>14/4/2014</a:t>
             </a:fld>
             <a:endParaRPr lang="en-US"/>
           </a:p>
@@ -2048,7 +2076,7 @@
             <a:fld id="{640E928A-7F23-492A-BABC-08F685F9067E}" type="datetimeFigureOut">
               <a:rPr lang="en-US" smtClean="0"/>
               <a:pPr/>
-              <a:t>13/4/2014</a:t>
+              <a:t>14/4/2014</a:t>
             </a:fld>
             <a:endParaRPr lang="en-US"/>
           </a:p>
@@ -2223,7 +2251,7 @@
             <a:fld id="{640E928A-7F23-492A-BABC-08F685F9067E}" type="datetimeFigureOut">
               <a:rPr lang="en-US" smtClean="0"/>
               <a:pPr/>
-              <a:t>13/4/2014</a:t>
+              <a:t>14/4/2014</a:t>
             </a:fld>
             <a:endParaRPr lang="en-US"/>
           </a:p>
@@ -2315,7 +2343,7 @@
             <a:fld id="{640E928A-7F23-492A-BABC-08F685F9067E}" type="datetimeFigureOut">
               <a:rPr lang="en-US" smtClean="0"/>
               <a:pPr/>
-              <a:t>13/4/2014</a:t>
+              <a:t>14/4/2014</a:t>
             </a:fld>
             <a:endParaRPr lang="en-US"/>
           </a:p>
@@ -2612,7 +2640,7 @@
             <a:fld id="{640E928A-7F23-492A-BABC-08F685F9067E}" type="datetimeFigureOut">
               <a:rPr lang="en-US" smtClean="0"/>
               <a:pPr/>
-              <a:t>13/4/2014</a:t>
+              <a:t>14/4/2014</a:t>
             </a:fld>
             <a:endParaRPr lang="en-US"/>
           </a:p>
@@ -2748,7 +2776,7 @@
             <a:fld id="{640E928A-7F23-492A-BABC-08F685F9067E}" type="datetimeFigureOut">
               <a:rPr lang="en-US" smtClean="0"/>
               <a:pPr/>
-              <a:t>13/4/2014</a:t>
+              <a:t>14/4/2014</a:t>
             </a:fld>
             <a:endParaRPr lang="en-US"/>
           </a:p>
@@ -3053,7 +3081,7 @@
             <a:fld id="{640E928A-7F23-492A-BABC-08F685F9067E}" type="datetimeFigureOut">
               <a:rPr lang="en-US" smtClean="0"/>
               <a:pPr/>
-              <a:t>13/4/2014</a:t>
+              <a:t>14/4/2014</a:t>
             </a:fld>
             <a:endParaRPr lang="en-US"/>
           </a:p>
@@ -5101,11 +5129,101 @@
             </a:r>
             <a:r>
               <a:rPr lang="en-US" dirty="0" smtClean="0"/>
+              <a:t> cu </a:t>
+            </a:r>
+            <a:r>
+              <a:rPr lang="en-US" dirty="0" err="1" smtClean="0"/>
+              <a:t>ajutorul</a:t>
+            </a:r>
+            <a:r>
+              <a:rPr lang="en-US" dirty="0" smtClean="0"/>
+              <a:t> brute-force-</a:t>
+            </a:r>
+            <a:r>
+              <a:rPr lang="en-US" dirty="0" err="1" smtClean="0"/>
+              <a:t>ului</a:t>
+            </a:r>
+            <a:r>
+              <a:rPr lang="en-US" dirty="0" smtClean="0"/>
+              <a:t>.</a:t>
+            </a:r>
+          </a:p>
+          <a:p>
+            <a:r>
+              <a:rPr lang="en-US" dirty="0" smtClean="0"/>
+              <a:t>S-a </a:t>
+            </a:r>
+            <a:r>
+              <a:rPr lang="en-US" dirty="0" err="1" smtClean="0"/>
+              <a:t>implementat</a:t>
+            </a:r>
+            <a:r>
+              <a:rPr lang="en-US" dirty="0" smtClean="0"/>
+              <a:t> o </a:t>
+            </a:r>
+            <a:r>
+              <a:rPr lang="en-US" dirty="0" err="1" smtClean="0"/>
+              <a:t>metoda</a:t>
+            </a:r>
+            <a:r>
+              <a:rPr lang="en-US" dirty="0" smtClean="0"/>
+              <a:t> de </a:t>
+            </a:r>
+            <a:r>
+              <a:rPr lang="en-US" dirty="0" err="1" smtClean="0"/>
+              <a:t>gasire</a:t>
+            </a:r>
+            <a:r>
+              <a:rPr lang="en-US" dirty="0" smtClean="0"/>
+              <a:t> a </a:t>
+            </a:r>
+            <a:r>
+              <a:rPr lang="en-US" dirty="0" err="1" smtClean="0"/>
+              <a:t>tuturor</a:t>
+            </a:r>
+            <a:r>
+              <a:rPr lang="en-US" dirty="0" smtClean="0"/>
               <a:t> </a:t>
             </a:r>
             <a:r>
-              <a:rPr lang="en-US" dirty="0" smtClean="0"/>
-              <a:t>cu </a:t>
+              <a:rPr lang="en-US" dirty="0" err="1" smtClean="0"/>
+              <a:t>cailor</a:t>
+            </a:r>
+            <a:r>
+              <a:rPr lang="en-US" dirty="0" smtClean="0"/>
+              <a:t> </a:t>
+            </a:r>
+            <a:r>
+              <a:rPr lang="en-US" dirty="0" err="1" smtClean="0"/>
+              <a:t>posibile</a:t>
+            </a:r>
+            <a:r>
+              <a:rPr lang="en-US" dirty="0" smtClean="0"/>
+              <a:t> de la </a:t>
+            </a:r>
+            <a:r>
+              <a:rPr lang="en-US" dirty="0" err="1" smtClean="0"/>
+              <a:t>sursa</a:t>
+            </a:r>
+            <a:r>
+              <a:rPr lang="en-US" dirty="0" smtClean="0"/>
+              <a:t> la </a:t>
+            </a:r>
+            <a:r>
+              <a:rPr lang="en-US" dirty="0" err="1" smtClean="0"/>
+              <a:t>celalalte</a:t>
+            </a:r>
+            <a:r>
+              <a:rPr lang="en-US" dirty="0" smtClean="0"/>
+              <a:t> </a:t>
+            </a:r>
+            <a:r>
+              <a:rPr lang="en-US" dirty="0" err="1" smtClean="0"/>
+              <a:t>noduri</a:t>
+            </a:r>
+            <a:r>
+              <a:rPr lang="en-US" dirty="0" smtClean="0"/>
+              <a:t> cu </a:t>
             </a:r>
             <a:r>
               <a:rPr lang="en-US" dirty="0" err="1" smtClean="0"/>
@@ -5113,159 +5231,64 @@
             </a:r>
             <a:r>
               <a:rPr lang="en-US" dirty="0" smtClean="0"/>
-              <a:t> brute-force-</a:t>
-            </a:r>
-            <a:r>
-              <a:rPr lang="en-US" dirty="0" err="1" smtClean="0"/>
-              <a:t>ului</a:t>
+              <a:t> </a:t>
+            </a:r>
+            <a:r>
+              <a:rPr lang="en-US" dirty="0" err="1" smtClean="0"/>
+              <a:t>DFS,pentru</a:t>
+            </a:r>
+            <a:r>
+              <a:rPr lang="en-US" dirty="0" smtClean="0"/>
+              <a:t> </a:t>
+            </a:r>
+            <a:r>
+              <a:rPr lang="en-US" dirty="0" err="1" smtClean="0"/>
+              <a:t>fiecare</a:t>
+            </a:r>
+            <a:r>
+              <a:rPr lang="en-US" dirty="0" smtClean="0"/>
+              <a:t> nod s-a </a:t>
+            </a:r>
+            <a:r>
+              <a:rPr lang="en-US" dirty="0" err="1" smtClean="0"/>
+              <a:t>pastrat</a:t>
+            </a:r>
+            <a:r>
+              <a:rPr lang="en-US" dirty="0" smtClean="0"/>
+              <a:t> </a:t>
+            </a:r>
+            <a:r>
+              <a:rPr lang="en-US" dirty="0" err="1" smtClean="0"/>
+              <a:t>cel</a:t>
+            </a:r>
+            <a:r>
+              <a:rPr lang="en-US" dirty="0" smtClean="0"/>
+              <a:t> </a:t>
+            </a:r>
+            <a:r>
+              <a:rPr lang="en-US" dirty="0" err="1" smtClean="0"/>
+              <a:t>mai</a:t>
+            </a:r>
+            <a:r>
+              <a:rPr lang="en-US" dirty="0" smtClean="0"/>
+              <a:t> </a:t>
+            </a:r>
+            <a:r>
+              <a:rPr lang="en-US" dirty="0" err="1" smtClean="0"/>
+              <a:t>mic</a:t>
+            </a:r>
+            <a:r>
+              <a:rPr lang="en-US" dirty="0" smtClean="0"/>
+              <a:t> </a:t>
+            </a:r>
+            <a:r>
+              <a:rPr lang="en-US" dirty="0" err="1" smtClean="0"/>
+              <a:t>rezultat</a:t>
             </a:r>
             <a:r>
               <a:rPr lang="en-US" dirty="0" smtClean="0"/>
               <a:t>.</a:t>
             </a:r>
-          </a:p>
-          <a:p>
-            <a:r>
-              <a:rPr lang="en-US" dirty="0" smtClean="0"/>
-              <a:t>S-a </a:t>
-            </a:r>
-            <a:r>
-              <a:rPr lang="en-US" dirty="0" err="1" smtClean="0"/>
-              <a:t>implementat</a:t>
-            </a:r>
-            <a:r>
-              <a:rPr lang="en-US" dirty="0" smtClean="0"/>
-              <a:t> o </a:t>
-            </a:r>
-            <a:r>
-              <a:rPr lang="en-US" dirty="0" err="1" smtClean="0"/>
-              <a:t>metoda</a:t>
-            </a:r>
-            <a:r>
-              <a:rPr lang="en-US" dirty="0" smtClean="0"/>
-              <a:t> de </a:t>
-            </a:r>
-            <a:r>
-              <a:rPr lang="en-US" dirty="0" err="1" smtClean="0"/>
-              <a:t>gasire</a:t>
-            </a:r>
-            <a:r>
-              <a:rPr lang="en-US" dirty="0" smtClean="0"/>
-              <a:t> a </a:t>
-            </a:r>
-            <a:r>
-              <a:rPr lang="en-US" dirty="0" err="1" smtClean="0"/>
-              <a:t>tuturor</a:t>
-            </a:r>
-            <a:r>
-              <a:rPr lang="en-US" dirty="0" smtClean="0"/>
-              <a:t> </a:t>
-            </a:r>
-            <a:r>
-              <a:rPr lang="en-US" dirty="0" err="1" smtClean="0"/>
-              <a:t>cailor</a:t>
-            </a:r>
-            <a:r>
-              <a:rPr lang="en-US" dirty="0" smtClean="0"/>
-              <a:t> </a:t>
-            </a:r>
-            <a:r>
-              <a:rPr lang="en-US" dirty="0" err="1" smtClean="0"/>
-              <a:t>posibile</a:t>
-            </a:r>
-            <a:r>
-              <a:rPr lang="en-US" dirty="0" smtClean="0"/>
-              <a:t> de la </a:t>
-            </a:r>
-            <a:r>
-              <a:rPr lang="en-US" dirty="0" err="1" smtClean="0"/>
-              <a:t>sursa</a:t>
-            </a:r>
-            <a:r>
-              <a:rPr lang="en-US" dirty="0" smtClean="0"/>
-              <a:t> la </a:t>
-            </a:r>
-            <a:r>
-              <a:rPr lang="en-US" dirty="0" err="1" smtClean="0"/>
-              <a:t>celalalte</a:t>
-            </a:r>
-            <a:r>
-              <a:rPr lang="en-US" dirty="0" smtClean="0"/>
-              <a:t> </a:t>
-            </a:r>
-            <a:r>
-              <a:rPr lang="en-US" dirty="0" err="1" smtClean="0"/>
-              <a:t>noduri</a:t>
-            </a:r>
-            <a:r>
-              <a:rPr lang="en-US" dirty="0" smtClean="0"/>
-              <a:t> cu </a:t>
-            </a:r>
-            <a:r>
-              <a:rPr lang="en-US" dirty="0" err="1" smtClean="0"/>
-              <a:t>ajutorul</a:t>
-            </a:r>
-            <a:r>
-              <a:rPr lang="en-US" dirty="0" smtClean="0"/>
-              <a:t> </a:t>
-            </a:r>
-            <a:r>
-              <a:rPr lang="en-US" dirty="0" err="1" smtClean="0"/>
-              <a:t>DFS,pentru</a:t>
-            </a:r>
-            <a:r>
-              <a:rPr lang="en-US" dirty="0" smtClean="0"/>
-              <a:t> </a:t>
-            </a:r>
-            <a:r>
-              <a:rPr lang="en-US" dirty="0" err="1" smtClean="0"/>
-              <a:t>fiecare</a:t>
-            </a:r>
-            <a:r>
-              <a:rPr lang="en-US" dirty="0" smtClean="0"/>
-              <a:t> nod s-a </a:t>
-            </a:r>
-            <a:r>
-              <a:rPr lang="en-US" dirty="0" err="1" smtClean="0"/>
-              <a:t>pastrat</a:t>
-            </a:r>
-            <a:r>
-              <a:rPr lang="en-US" dirty="0" smtClean="0"/>
-              <a:t> </a:t>
-            </a:r>
-            <a:r>
-              <a:rPr lang="en-US" dirty="0" err="1" smtClean="0"/>
-              <a:t>cel</a:t>
-            </a:r>
-            <a:r>
-              <a:rPr lang="en-US" dirty="0" smtClean="0"/>
-              <a:t> </a:t>
-            </a:r>
-            <a:r>
-              <a:rPr lang="en-US" dirty="0" err="1" smtClean="0"/>
-              <a:t>mai</a:t>
-            </a:r>
-            <a:r>
-              <a:rPr lang="en-US" dirty="0" smtClean="0"/>
-              <a:t> </a:t>
-            </a:r>
-            <a:r>
-              <a:rPr lang="en-US" dirty="0" err="1" smtClean="0"/>
-              <a:t>mic</a:t>
-            </a:r>
-            <a:r>
-              <a:rPr lang="en-US" dirty="0" smtClean="0"/>
-              <a:t> </a:t>
-            </a:r>
-            <a:r>
-              <a:rPr lang="en-US" dirty="0" err="1" smtClean="0"/>
-              <a:t>rezultat</a:t>
-            </a:r>
-            <a:r>
-              <a:rPr lang="en-US" dirty="0" smtClean="0"/>
-              <a:t>.</a:t>
-            </a:r>
-            <a:endParaRPr lang="en-US" dirty="0" smtClean="0"/>
           </a:p>
           <a:p>
             <a:r>
@@ -5428,11 +5451,7 @@
             </a:r>
             <a:r>
               <a:rPr lang="en-US" dirty="0" smtClean="0"/>
-              <a:t> </a:t>
-            </a:r>
-            <a:r>
-              <a:rPr lang="en-US" dirty="0" smtClean="0"/>
-              <a:t>au </a:t>
+              <a:t> au </a:t>
             </a:r>
             <a:r>
               <a:rPr lang="en-US" dirty="0" err="1" smtClean="0"/>
@@ -5889,11 +5908,7 @@
           <a:p>
             <a:r>
               <a:rPr lang="en-US" dirty="0" smtClean="0"/>
-              <a:t>LOG-log </a:t>
-            </a:r>
-            <a:r>
-              <a:rPr lang="en-US" dirty="0" smtClean="0"/>
-              <a:t>plot</a:t>
+              <a:t>LOG-log plot</a:t>
             </a:r>
             <a:endParaRPr lang="en-US" dirty="0"/>
           </a:p>
